--- a/2019/1月/17-01-2019.pptx
+++ b/2019/1月/17-01-2019.pptx
@@ -295,6 +295,7 @@
           <a:p>
             <a:fld id="{DBA85272-41A9-44CF-A4FC-F3C17595A926}" type="datetimeFigureOut">
               <a:rPr lang="en-US" smtClean="0"/>
+              <a:pPr/>
               <a:t>1/8/2019</a:t>
             </a:fld>
             <a:endParaRPr lang="en-US"/>
@@ -337,6 +338,7 @@
           <a:p>
             <a:fld id="{842DE311-48A1-4D49-9038-6FA8E0B735A1}" type="slidenum">
               <a:rPr lang="en-US" smtClean="0"/>
+              <a:pPr/>
               <a:t>‹#›</a:t>
             </a:fld>
             <a:endParaRPr lang="en-US"/>
@@ -460,6 +462,7 @@
           <a:p>
             <a:fld id="{DBA85272-41A9-44CF-A4FC-F3C17595A926}" type="datetimeFigureOut">
               <a:rPr lang="en-US" smtClean="0"/>
+              <a:pPr/>
               <a:t>1/8/2019</a:t>
             </a:fld>
             <a:endParaRPr lang="en-US"/>
@@ -502,6 +505,7 @@
           <a:p>
             <a:fld id="{842DE311-48A1-4D49-9038-6FA8E0B735A1}" type="slidenum">
               <a:rPr lang="en-US" smtClean="0"/>
+              <a:pPr/>
               <a:t>‹#›</a:t>
             </a:fld>
             <a:endParaRPr lang="en-US"/>
@@ -635,6 +639,7 @@
           <a:p>
             <a:fld id="{DBA85272-41A9-44CF-A4FC-F3C17595A926}" type="datetimeFigureOut">
               <a:rPr lang="en-US" smtClean="0"/>
+              <a:pPr/>
               <a:t>1/8/2019</a:t>
             </a:fld>
             <a:endParaRPr lang="en-US"/>
@@ -677,6 +682,7 @@
           <a:p>
             <a:fld id="{842DE311-48A1-4D49-9038-6FA8E0B735A1}" type="slidenum">
               <a:rPr lang="en-US" smtClean="0"/>
+              <a:pPr/>
               <a:t>‹#›</a:t>
             </a:fld>
             <a:endParaRPr lang="en-US"/>
@@ -800,6 +806,7 @@
           <a:p>
             <a:fld id="{DBA85272-41A9-44CF-A4FC-F3C17595A926}" type="datetimeFigureOut">
               <a:rPr lang="en-US" smtClean="0"/>
+              <a:pPr/>
               <a:t>1/8/2019</a:t>
             </a:fld>
             <a:endParaRPr lang="en-US"/>
@@ -842,6 +849,7 @@
           <a:p>
             <a:fld id="{842DE311-48A1-4D49-9038-6FA8E0B735A1}" type="slidenum">
               <a:rPr lang="en-US" smtClean="0"/>
+              <a:pPr/>
               <a:t>‹#›</a:t>
             </a:fld>
             <a:endParaRPr lang="en-US"/>
@@ -1041,6 +1049,7 @@
           <a:p>
             <a:fld id="{DBA85272-41A9-44CF-A4FC-F3C17595A926}" type="datetimeFigureOut">
               <a:rPr lang="en-US" smtClean="0"/>
+              <a:pPr/>
               <a:t>1/8/2019</a:t>
             </a:fld>
             <a:endParaRPr lang="en-US"/>
@@ -1083,6 +1092,7 @@
           <a:p>
             <a:fld id="{842DE311-48A1-4D49-9038-6FA8E0B735A1}" type="slidenum">
               <a:rPr lang="en-US" smtClean="0"/>
+              <a:pPr/>
               <a:t>‹#›</a:t>
             </a:fld>
             <a:endParaRPr lang="en-US"/>
@@ -1324,6 +1334,7 @@
           <a:p>
             <a:fld id="{DBA85272-41A9-44CF-A4FC-F3C17595A926}" type="datetimeFigureOut">
               <a:rPr lang="en-US" smtClean="0"/>
+              <a:pPr/>
               <a:t>1/8/2019</a:t>
             </a:fld>
             <a:endParaRPr lang="en-US"/>
@@ -1366,6 +1377,7 @@
           <a:p>
             <a:fld id="{842DE311-48A1-4D49-9038-6FA8E0B735A1}" type="slidenum">
               <a:rPr lang="en-US" smtClean="0"/>
+              <a:pPr/>
               <a:t>‹#›</a:t>
             </a:fld>
             <a:endParaRPr lang="en-US"/>
@@ -1741,6 +1753,7 @@
           <a:p>
             <a:fld id="{DBA85272-41A9-44CF-A4FC-F3C17595A926}" type="datetimeFigureOut">
               <a:rPr lang="en-US" smtClean="0"/>
+              <a:pPr/>
               <a:t>1/8/2019</a:t>
             </a:fld>
             <a:endParaRPr lang="en-US"/>
@@ -1783,6 +1796,7 @@
           <a:p>
             <a:fld id="{842DE311-48A1-4D49-9038-6FA8E0B735A1}" type="slidenum">
               <a:rPr lang="en-US" smtClean="0"/>
+              <a:pPr/>
               <a:t>‹#›</a:t>
             </a:fld>
             <a:endParaRPr lang="en-US"/>
@@ -1854,6 +1868,7 @@
           <a:p>
             <a:fld id="{DBA85272-41A9-44CF-A4FC-F3C17595A926}" type="datetimeFigureOut">
               <a:rPr lang="en-US" smtClean="0"/>
+              <a:pPr/>
               <a:t>1/8/2019</a:t>
             </a:fld>
             <a:endParaRPr lang="en-US"/>
@@ -1896,6 +1911,7 @@
           <a:p>
             <a:fld id="{842DE311-48A1-4D49-9038-6FA8E0B735A1}" type="slidenum">
               <a:rPr lang="en-US" smtClean="0"/>
+              <a:pPr/>
               <a:t>‹#›</a:t>
             </a:fld>
             <a:endParaRPr lang="en-US"/>
@@ -1944,6 +1960,7 @@
           <a:p>
             <a:fld id="{DBA85272-41A9-44CF-A4FC-F3C17595A926}" type="datetimeFigureOut">
               <a:rPr lang="en-US" smtClean="0"/>
+              <a:pPr/>
               <a:t>1/8/2019</a:t>
             </a:fld>
             <a:endParaRPr lang="en-US"/>
@@ -1986,6 +2003,7 @@
           <a:p>
             <a:fld id="{842DE311-48A1-4D49-9038-6FA8E0B735A1}" type="slidenum">
               <a:rPr lang="en-US" smtClean="0"/>
+              <a:pPr/>
               <a:t>‹#›</a:t>
             </a:fld>
             <a:endParaRPr lang="en-US"/>
@@ -2216,6 +2234,7 @@
           <a:p>
             <a:fld id="{DBA85272-41A9-44CF-A4FC-F3C17595A926}" type="datetimeFigureOut">
               <a:rPr lang="en-US" smtClean="0"/>
+              <a:pPr/>
               <a:t>1/8/2019</a:t>
             </a:fld>
             <a:endParaRPr lang="en-US"/>
@@ -2258,6 +2277,7 @@
           <a:p>
             <a:fld id="{842DE311-48A1-4D49-9038-6FA8E0B735A1}" type="slidenum">
               <a:rPr lang="en-US" smtClean="0"/>
+              <a:pPr/>
               <a:t>‹#›</a:t>
             </a:fld>
             <a:endParaRPr lang="en-US"/>
@@ -2468,6 +2488,7 @@
           <a:p>
             <a:fld id="{DBA85272-41A9-44CF-A4FC-F3C17595A926}" type="datetimeFigureOut">
               <a:rPr lang="en-US" smtClean="0"/>
+              <a:pPr/>
               <a:t>1/8/2019</a:t>
             </a:fld>
             <a:endParaRPr lang="en-US"/>
@@ -2510,6 +2531,7 @@
           <a:p>
             <a:fld id="{842DE311-48A1-4D49-9038-6FA8E0B735A1}" type="slidenum">
               <a:rPr lang="en-US" smtClean="0"/>
+              <a:pPr/>
               <a:t>‹#›</a:t>
             </a:fld>
             <a:endParaRPr lang="en-US"/>
@@ -2681,6 +2703,7 @@
           <a:p>
             <a:fld id="{DBA85272-41A9-44CF-A4FC-F3C17595A926}" type="datetimeFigureOut">
               <a:rPr lang="en-US" smtClean="0"/>
+              <a:pPr/>
               <a:t>1/8/2019</a:t>
             </a:fld>
             <a:endParaRPr lang="en-US"/>
@@ -2759,6 +2782,7 @@
           <a:p>
             <a:fld id="{842DE311-48A1-4D49-9038-6FA8E0B735A1}" type="slidenum">
               <a:rPr lang="en-US" smtClean="0"/>
+              <a:pPr/>
               <a:t>‹#›</a:t>
             </a:fld>
             <a:endParaRPr lang="en-US"/>
@@ -3187,7 +3211,7 @@
     </p:spTree>
     <p:extLst>
       <p:ext uri="{BB962C8B-B14F-4D97-AF65-F5344CB8AC3E}">
-        <p14:creationId xmlns:p14="http://schemas.microsoft.com/office/powerpoint/2010/main" val="172578281"/>
+        <p14:creationId xmlns:p14="http://schemas.microsoft.com/office/powerpoint/2010/main" xmlns="" val="172578281"/>
       </p:ext>
     </p:extLst>
   </p:cSld>
@@ -3377,7 +3401,7 @@
     </p:spTree>
     <p:extLst>
       <p:ext uri="{BB962C8B-B14F-4D97-AF65-F5344CB8AC3E}">
-        <p14:creationId xmlns:p14="http://schemas.microsoft.com/office/powerpoint/2010/main" val="1359337446"/>
+        <p14:creationId xmlns:p14="http://schemas.microsoft.com/office/powerpoint/2010/main" xmlns="" val="1359337446"/>
       </p:ext>
     </p:extLst>
   </p:cSld>
@@ -3567,7 +3591,7 @@
     </p:spTree>
     <p:extLst>
       <p:ext uri="{BB962C8B-B14F-4D97-AF65-F5344CB8AC3E}">
-        <p14:creationId xmlns:p14="http://schemas.microsoft.com/office/powerpoint/2010/main" val="4136768428"/>
+        <p14:creationId xmlns:p14="http://schemas.microsoft.com/office/powerpoint/2010/main" xmlns="" val="4136768428"/>
       </p:ext>
     </p:extLst>
   </p:cSld>
@@ -3757,7 +3781,7 @@
     </p:spTree>
     <p:extLst>
       <p:ext uri="{BB962C8B-B14F-4D97-AF65-F5344CB8AC3E}">
-        <p14:creationId xmlns:p14="http://schemas.microsoft.com/office/powerpoint/2010/main" val="4224778559"/>
+        <p14:creationId xmlns:p14="http://schemas.microsoft.com/office/powerpoint/2010/main" xmlns="" val="4224778559"/>
       </p:ext>
     </p:extLst>
   </p:cSld>
@@ -3789,7 +3813,7 @@
           <p:cNvPr id="2" name="Title 1">
             <a:extLst>
               <a:ext uri="{FF2B5EF4-FFF2-40B4-BE49-F238E27FC236}">
-                <a16:creationId xmlns:a16="http://schemas.microsoft.com/office/drawing/2014/main" xmlns="" id="{AA08847F-4558-4C6E-AA20-99847EE236C7}"/>
+                <a16:creationId xmlns="" xmlns:a16="http://schemas.microsoft.com/office/drawing/2014/main" id="{AA08847F-4558-4C6E-AA20-99847EE236C7}"/>
               </a:ext>
             </a:extLst>
           </p:cNvPr>
@@ -3831,7 +3855,7 @@
           <p:cNvPr id="3" name="Content Placeholder 2">
             <a:extLst>
               <a:ext uri="{FF2B5EF4-FFF2-40B4-BE49-F238E27FC236}">
-                <a16:creationId xmlns:a16="http://schemas.microsoft.com/office/drawing/2014/main" xmlns="" id="{97216163-6EE7-4710-85CD-036E74FA44B9}"/>
+                <a16:creationId xmlns="" xmlns:a16="http://schemas.microsoft.com/office/drawing/2014/main" id="{97216163-6EE7-4710-85CD-036E74FA44B9}"/>
               </a:ext>
             </a:extLst>
           </p:cNvPr>
@@ -3941,7 +3965,7 @@
     </p:spTree>
     <p:extLst>
       <p:ext uri="{BB962C8B-B14F-4D97-AF65-F5344CB8AC3E}">
-        <p14:creationId xmlns:p14="http://schemas.microsoft.com/office/powerpoint/2010/main" val="2806189850"/>
+        <p14:creationId xmlns:p14="http://schemas.microsoft.com/office/powerpoint/2010/main" xmlns="" val="2806189850"/>
       </p:ext>
     </p:extLst>
   </p:cSld>
@@ -3973,7 +3997,7 @@
           <p:cNvPr id="2" name="Title 1">
             <a:extLst>
               <a:ext uri="{FF2B5EF4-FFF2-40B4-BE49-F238E27FC236}">
-                <a16:creationId xmlns:a16="http://schemas.microsoft.com/office/drawing/2014/main" xmlns="" id="{AA08847F-4558-4C6E-AA20-99847EE236C7}"/>
+                <a16:creationId xmlns="" xmlns:a16="http://schemas.microsoft.com/office/drawing/2014/main" id="{AA08847F-4558-4C6E-AA20-99847EE236C7}"/>
               </a:ext>
             </a:extLst>
           </p:cNvPr>
@@ -4015,7 +4039,7 @@
           <p:cNvPr id="3" name="Content Placeholder 2">
             <a:extLst>
               <a:ext uri="{FF2B5EF4-FFF2-40B4-BE49-F238E27FC236}">
-                <a16:creationId xmlns:a16="http://schemas.microsoft.com/office/drawing/2014/main" xmlns="" id="{97216163-6EE7-4710-85CD-036E74FA44B9}"/>
+                <a16:creationId xmlns="" xmlns:a16="http://schemas.microsoft.com/office/drawing/2014/main" id="{97216163-6EE7-4710-85CD-036E74FA44B9}"/>
               </a:ext>
             </a:extLst>
           </p:cNvPr>
@@ -4147,7 +4171,7 @@
     </p:spTree>
     <p:extLst>
       <p:ext uri="{BB962C8B-B14F-4D97-AF65-F5344CB8AC3E}">
-        <p14:creationId xmlns:p14="http://schemas.microsoft.com/office/powerpoint/2010/main" val="843688755"/>
+        <p14:creationId xmlns:p14="http://schemas.microsoft.com/office/powerpoint/2010/main" xmlns="" val="843688755"/>
       </p:ext>
     </p:extLst>
   </p:cSld>
@@ -4179,7 +4203,7 @@
           <p:cNvPr id="2" name="Title 1">
             <a:extLst>
               <a:ext uri="{FF2B5EF4-FFF2-40B4-BE49-F238E27FC236}">
-                <a16:creationId xmlns:a16="http://schemas.microsoft.com/office/drawing/2014/main" xmlns="" id="{AA08847F-4558-4C6E-AA20-99847EE236C7}"/>
+                <a16:creationId xmlns="" xmlns:a16="http://schemas.microsoft.com/office/drawing/2014/main" id="{AA08847F-4558-4C6E-AA20-99847EE236C7}"/>
               </a:ext>
             </a:extLst>
           </p:cNvPr>
@@ -4221,7 +4245,7 @@
           <p:cNvPr id="3" name="Content Placeholder 2">
             <a:extLst>
               <a:ext uri="{FF2B5EF4-FFF2-40B4-BE49-F238E27FC236}">
-                <a16:creationId xmlns:a16="http://schemas.microsoft.com/office/drawing/2014/main" xmlns="" id="{97216163-6EE7-4710-85CD-036E74FA44B9}"/>
+                <a16:creationId xmlns="" xmlns:a16="http://schemas.microsoft.com/office/drawing/2014/main" id="{97216163-6EE7-4710-85CD-036E74FA44B9}"/>
               </a:ext>
             </a:extLst>
           </p:cNvPr>
@@ -4331,7 +4355,7 @@
     </p:spTree>
     <p:extLst>
       <p:ext uri="{BB962C8B-B14F-4D97-AF65-F5344CB8AC3E}">
-        <p14:creationId xmlns:p14="http://schemas.microsoft.com/office/powerpoint/2010/main" val="161355785"/>
+        <p14:creationId xmlns:p14="http://schemas.microsoft.com/office/powerpoint/2010/main" xmlns="" val="161355785"/>
       </p:ext>
     </p:extLst>
   </p:cSld>
@@ -4363,7 +4387,7 @@
           <p:cNvPr id="2" name="Title 1">
             <a:extLst>
               <a:ext uri="{FF2B5EF4-FFF2-40B4-BE49-F238E27FC236}">
-                <a16:creationId xmlns:a16="http://schemas.microsoft.com/office/drawing/2014/main" xmlns="" id="{AA08847F-4558-4C6E-AA20-99847EE236C7}"/>
+                <a16:creationId xmlns="" xmlns:a16="http://schemas.microsoft.com/office/drawing/2014/main" id="{AA08847F-4558-4C6E-AA20-99847EE236C7}"/>
               </a:ext>
             </a:extLst>
           </p:cNvPr>
@@ -4405,7 +4429,7 @@
           <p:cNvPr id="3" name="Content Placeholder 2">
             <a:extLst>
               <a:ext uri="{FF2B5EF4-FFF2-40B4-BE49-F238E27FC236}">
-                <a16:creationId xmlns:a16="http://schemas.microsoft.com/office/drawing/2014/main" xmlns="" id="{97216163-6EE7-4710-85CD-036E74FA44B9}"/>
+                <a16:creationId xmlns="" xmlns:a16="http://schemas.microsoft.com/office/drawing/2014/main" id="{97216163-6EE7-4710-85CD-036E74FA44B9}"/>
               </a:ext>
             </a:extLst>
           </p:cNvPr>
@@ -4537,7 +4561,7 @@
     </p:spTree>
     <p:extLst>
       <p:ext uri="{BB962C8B-B14F-4D97-AF65-F5344CB8AC3E}">
-        <p14:creationId xmlns:p14="http://schemas.microsoft.com/office/powerpoint/2010/main" val="647767763"/>
+        <p14:creationId xmlns:p14="http://schemas.microsoft.com/office/powerpoint/2010/main" xmlns="" val="647767763"/>
       </p:ext>
     </p:extLst>
   </p:cSld>
